--- a/Documents/EE_DPR.pptx
+++ b/Documents/EE_DPR.pptx
@@ -265,7 +265,7 @@
       <p15:sldGuideLst xmlns:p15="http://schemas.microsoft.com/office/powerpoint/2012/main"/>
     </p:ext>
     <p:ext uri="http://customooxmlschemas.google.com/">
-      <go:slidesCustomData xmlns="" xmlns:mc="http://schemas.openxmlformats.org/markup-compatibility/2006" xmlns:mv="urn:schemas-microsoft-com:mac:vml" xmlns:c="http://schemas.openxmlformats.org/drawingml/2006/chart" xmlns:dgm="http://schemas.openxmlformats.org/drawingml/2006/diagram" xmlns:o="urn:schemas-microsoft-com:office:office" xmlns:v="urn:schemas-microsoft-com:vml" xmlns:pvml="urn:schemas-microsoft-com:office:powerpoint" xmlns:com="http://schemas.openxmlformats.org/drawingml/2006/compatibility" xmlns:p14="http://schemas.microsoft.com/office/powerpoint/2010/main" xmlns:p15="http://schemas.microsoft.com/office/powerpoint/2012/main" xmlns:ahyp="http://schemas.microsoft.com/office/drawing/2018/hyperlinkcolor" xmlns:go="http://customooxmlschemas.google.com/" r:id="rId22" roundtripDataSignature="AMtx7mja1iNMUlAlqX4iV31sKtFy/FYFrw=="/>
+      <go:slidesCustomData xmlns:go="http://customooxmlschemas.google.com/" xmlns:ahyp="http://schemas.microsoft.com/office/drawing/2018/hyperlinkcolor" xmlns:p15="http://schemas.microsoft.com/office/powerpoint/2012/main" xmlns:p14="http://schemas.microsoft.com/office/powerpoint/2010/main" xmlns:com="http://schemas.openxmlformats.org/drawingml/2006/compatibility" xmlns:pvml="urn:schemas-microsoft-com:office:powerpoint" xmlns:v="urn:schemas-microsoft-com:vml" xmlns:o="urn:schemas-microsoft-com:office:office" xmlns:dgm="http://schemas.openxmlformats.org/drawingml/2006/diagram" xmlns:c="http://schemas.openxmlformats.org/drawingml/2006/chart" xmlns:mv="urn:schemas-microsoft-com:mac:vml" xmlns:mc="http://schemas.openxmlformats.org/markup-compatibility/2006" xmlns="" r:id="rId22" roundtripDataSignature="AMtx7mja1iNMUlAlqX4iV31sKtFy/FYFrw=="/>
     </p:ext>
   </p:extLst>
 </p:presentation>
@@ -16991,40 +16991,34 @@
           </a:bodyPr>
           <a:lstStyle/>
           <a:p>
-            <a:pPr marL="0" lvl="0" indent="0" algn="l" rtl="0">
-              <a:spcBef>
-                <a:spcPts val="0"/>
-              </a:spcBef>
-              <a:spcAft>
-                <a:spcPts val="0"/>
-              </a:spcAft>
-              <a:buSzPts val="1680"/>
-              <a:buNone/>
+            <a:pPr marL="0" indent="0">
+              <a:spcBef>
+                <a:spcPts val="0"/>
+              </a:spcBef>
             </a:pPr>
             <a:r>
-              <a:rPr lang="en-US" dirty="0">
-                <a:solidFill>
-                  <a:schemeClr val="lt1"/>
-                </a:solidFill>
-                <a:latin typeface="Times New Roman"/>
-                <a:ea typeface="Times New Roman"/>
-                <a:cs typeface="Times New Roman"/>
-                <a:sym typeface="Times New Roman"/>
+              <a:rPr lang="en-IN" sz="2800" dirty="0">
+                <a:solidFill>
+                  <a:schemeClr val="bg1"/>
+                </a:solidFill>
+                <a:effectLst/>
+                <a:latin typeface="Times New Roman" panose="02020603050405020304" pitchFamily="18" charset="0"/>
+                <a:ea typeface="Times New Roman" panose="02020603050405020304" pitchFamily="18" charset="0"/>
               </a:rPr>
-              <a:t>		</a:t>
+              <a:t>ENERGY EFFICIENCY PREDICTION</a:t>
             </a:r>
-            <a:r>
-              <a:rPr lang="en-US" sz="3000" dirty="0">
-                <a:solidFill>
-                  <a:schemeClr val="lt1"/>
-                </a:solidFill>
-                <a:latin typeface="Times New Roman"/>
-                <a:ea typeface="Times New Roman"/>
-                <a:cs typeface="Times New Roman"/>
-                <a:sym typeface="Times New Roman"/>
-              </a:rPr>
-              <a:t>Income Prediction</a:t>
-            </a:r>
+          </a:p>
+          <a:p>
+            <a:pPr marL="0" lvl="0" indent="0" algn="l" rtl="0">
+              <a:spcBef>
+                <a:spcPts val="0"/>
+              </a:spcBef>
+              <a:spcAft>
+                <a:spcPts val="0"/>
+              </a:spcAft>
+              <a:buSzPts val="1680"/>
+              <a:buNone/>
+            </a:pPr>
             <a:endParaRPr sz="3000" dirty="0">
               <a:solidFill>
                 <a:schemeClr val="lt1"/>

--- a/Documents/EE_DPR.pptx
+++ b/Documents/EE_DPR.pptx
@@ -265,7 +265,7 @@
       <p15:sldGuideLst xmlns:p15="http://schemas.microsoft.com/office/powerpoint/2012/main"/>
     </p:ext>
     <p:ext uri="http://customooxmlschemas.google.com/">
-      <go:slidesCustomData xmlns:go="http://customooxmlschemas.google.com/" xmlns:ahyp="http://schemas.microsoft.com/office/drawing/2018/hyperlinkcolor" xmlns:p15="http://schemas.microsoft.com/office/powerpoint/2012/main" xmlns:p14="http://schemas.microsoft.com/office/powerpoint/2010/main" xmlns:com="http://schemas.openxmlformats.org/drawingml/2006/compatibility" xmlns:pvml="urn:schemas-microsoft-com:office:powerpoint" xmlns:v="urn:schemas-microsoft-com:vml" xmlns:o="urn:schemas-microsoft-com:office:office" xmlns:dgm="http://schemas.openxmlformats.org/drawingml/2006/diagram" xmlns:c="http://schemas.openxmlformats.org/drawingml/2006/chart" xmlns:mv="urn:schemas-microsoft-com:mac:vml" xmlns:mc="http://schemas.openxmlformats.org/markup-compatibility/2006" xmlns="" r:id="rId22" roundtripDataSignature="AMtx7mja1iNMUlAlqX4iV31sKtFy/FYFrw=="/>
+      <go:slidesCustomData xmlns="" xmlns:mc="http://schemas.openxmlformats.org/markup-compatibility/2006" xmlns:mv="urn:schemas-microsoft-com:mac:vml" xmlns:c="http://schemas.openxmlformats.org/drawingml/2006/chart" xmlns:dgm="http://schemas.openxmlformats.org/drawingml/2006/diagram" xmlns:o="urn:schemas-microsoft-com:office:office" xmlns:v="urn:schemas-microsoft-com:vml" xmlns:pvml="urn:schemas-microsoft-com:office:powerpoint" xmlns:com="http://schemas.openxmlformats.org/drawingml/2006/compatibility" xmlns:p14="http://schemas.microsoft.com/office/powerpoint/2010/main" xmlns:p15="http://schemas.microsoft.com/office/powerpoint/2012/main" xmlns:ahyp="http://schemas.microsoft.com/office/drawing/2018/hyperlinkcolor" xmlns:go="http://customooxmlschemas.google.com/" r:id="rId22" roundtripDataSignature="AMtx7mja1iNMUlAlqX4iV31sKtFy/FYFrw=="/>
     </p:ext>
   </p:extLst>
 </p:presentation>
@@ -17561,7 +17561,7 @@
               </a:rPr>
               <a:t>Q 7) How training was done or what models were used?</a:t>
             </a:r>
-            <a:endParaRPr sz="2400" dirty="0">
+            <a:endParaRPr lang="en-IN" sz="2400" dirty="0">
               <a:latin typeface="Times New Roman" panose="02020603050405020304" pitchFamily="18" charset="0"/>
               <a:cs typeface="Times New Roman" panose="02020603050405020304" pitchFamily="18" charset="0"/>
             </a:endParaRPr>
@@ -17587,35 +17587,7 @@
                 <a:cs typeface="Times New Roman" panose="02020603050405020304" pitchFamily="18" charset="0"/>
                 <a:sym typeface="Times New Roman"/>
               </a:rPr>
-              <a:t>Before diving the data in training and validation set we performed clustering over fit to divide the data into clusters.</a:t>
-            </a:r>
-            <a:endParaRPr sz="2400" dirty="0">
-              <a:latin typeface="Times New Roman" panose="02020603050405020304" pitchFamily="18" charset="0"/>
-              <a:cs typeface="Times New Roman" panose="02020603050405020304" pitchFamily="18" charset="0"/>
-            </a:endParaRPr>
-          </a:p>
-          <a:p>
-            <a:pPr marL="285750" lvl="0" indent="-285750" algn="l" rtl="0">
-              <a:spcBef>
-                <a:spcPts val="960"/>
-              </a:spcBef>
-              <a:spcAft>
-                <a:spcPts val="0"/>
-              </a:spcAft>
-              <a:buSzPts val="1440"/>
-              <a:buChar char="▶"/>
-            </a:pPr>
-            <a:r>
-              <a:rPr lang="en-US" sz="2400" dirty="0">
-                <a:solidFill>
-                  <a:schemeClr val="lt1"/>
-                </a:solidFill>
-                <a:latin typeface="Times New Roman" panose="02020603050405020304" pitchFamily="18" charset="0"/>
-                <a:ea typeface="Times New Roman"/>
-                <a:cs typeface="Times New Roman" panose="02020603050405020304" pitchFamily="18" charset="0"/>
-                <a:sym typeface="Times New Roman"/>
-              </a:rPr>
-              <a:t>As per cluster the training and validation data were divided.</a:t>
+              <a:t>The training and validation data were divided.</a:t>
             </a:r>
             <a:endParaRPr sz="2400" dirty="0">
               <a:latin typeface="Times New Roman" panose="02020603050405020304" pitchFamily="18" charset="0"/>
